--- a/Project 1.pptx
+++ b/Project 1.pptx
@@ -231,7 +231,7 @@
           <a:p>
             <a:fld id="{E67DC758-F287-4F8E-9564-D45066FA26BB}" type="datetimeFigureOut">
               <a:rPr lang="en-US" smtClean="0"/>
-              <a:t>2/6/2020</a:t>
+              <a:t>2/7/20</a:t>
             </a:fld>
             <a:endParaRPr lang="en-US"/>
           </a:p>
@@ -761,7 +761,7 @@
           <a:p>
             <a:fld id="{FA320BCE-3A3B-4357-B9F1-37484C737777}" type="datetimeFigureOut">
               <a:rPr lang="en-US" smtClean="0"/>
-              <a:t>2/6/2020</a:t>
+              <a:t>2/7/20</a:t>
             </a:fld>
             <a:endParaRPr lang="en-US"/>
           </a:p>
@@ -929,7 +929,7 @@
           <a:p>
             <a:fld id="{FA320BCE-3A3B-4357-B9F1-37484C737777}" type="datetimeFigureOut">
               <a:rPr lang="en-US" smtClean="0"/>
-              <a:t>2/6/2020</a:t>
+              <a:t>2/7/20</a:t>
             </a:fld>
             <a:endParaRPr lang="en-US"/>
           </a:p>
@@ -1107,7 +1107,7 @@
           <a:p>
             <a:fld id="{FA320BCE-3A3B-4357-B9F1-37484C737777}" type="datetimeFigureOut">
               <a:rPr lang="en-US" smtClean="0"/>
-              <a:t>2/6/2020</a:t>
+              <a:t>2/7/20</a:t>
             </a:fld>
             <a:endParaRPr lang="en-US"/>
           </a:p>
@@ -1315,7 +1315,7 @@
           <a:p>
             <a:fld id="{A46595E3-DEFD-41F6-BCD5-B9A1CDF9240C}" type="datetimeFigureOut">
               <a:rPr lang="en-US" smtClean="0"/>
-              <a:t>2/6/2020</a:t>
+              <a:t>2/7/20</a:t>
             </a:fld>
             <a:endParaRPr lang="en-US"/>
           </a:p>
@@ -1513,7 +1513,7 @@
           <a:p>
             <a:fld id="{A46595E3-DEFD-41F6-BCD5-B9A1CDF9240C}" type="datetimeFigureOut">
               <a:rPr lang="en-US" smtClean="0"/>
-              <a:t>2/6/2020</a:t>
+              <a:t>2/7/20</a:t>
             </a:fld>
             <a:endParaRPr lang="en-US"/>
           </a:p>
@@ -1788,7 +1788,7 @@
           <a:p>
             <a:fld id="{A46595E3-DEFD-41F6-BCD5-B9A1CDF9240C}" type="datetimeFigureOut">
               <a:rPr lang="en-US" smtClean="0"/>
-              <a:t>2/6/2020</a:t>
+              <a:t>2/7/20</a:t>
             </a:fld>
             <a:endParaRPr lang="en-US"/>
           </a:p>
@@ -2053,7 +2053,7 @@
           <a:p>
             <a:fld id="{A46595E3-DEFD-41F6-BCD5-B9A1CDF9240C}" type="datetimeFigureOut">
               <a:rPr lang="en-US" smtClean="0"/>
-              <a:t>2/6/2020</a:t>
+              <a:t>2/7/20</a:t>
             </a:fld>
             <a:endParaRPr lang="en-US"/>
           </a:p>
@@ -2465,7 +2465,7 @@
           <a:p>
             <a:fld id="{A46595E3-DEFD-41F6-BCD5-B9A1CDF9240C}" type="datetimeFigureOut">
               <a:rPr lang="en-US" smtClean="0"/>
-              <a:t>2/6/2020</a:t>
+              <a:t>2/7/20</a:t>
             </a:fld>
             <a:endParaRPr lang="en-US"/>
           </a:p>
@@ -2606,7 +2606,7 @@
           <a:p>
             <a:fld id="{A46595E3-DEFD-41F6-BCD5-B9A1CDF9240C}" type="datetimeFigureOut">
               <a:rPr lang="en-US" smtClean="0"/>
-              <a:t>2/6/2020</a:t>
+              <a:t>2/7/20</a:t>
             </a:fld>
             <a:endParaRPr lang="en-US"/>
           </a:p>
@@ -2719,7 +2719,7 @@
           <a:p>
             <a:fld id="{A46595E3-DEFD-41F6-BCD5-B9A1CDF9240C}" type="datetimeFigureOut">
               <a:rPr lang="en-US" smtClean="0"/>
-              <a:t>2/6/2020</a:t>
+              <a:t>2/7/20</a:t>
             </a:fld>
             <a:endParaRPr lang="en-US"/>
           </a:p>
@@ -3030,7 +3030,7 @@
           <a:p>
             <a:fld id="{A46595E3-DEFD-41F6-BCD5-B9A1CDF9240C}" type="datetimeFigureOut">
               <a:rPr lang="en-US" smtClean="0"/>
-              <a:t>2/6/2020</a:t>
+              <a:t>2/7/20</a:t>
             </a:fld>
             <a:endParaRPr lang="en-US"/>
           </a:p>
@@ -3210,7 +3210,7 @@
           <a:p>
             <a:fld id="{FA320BCE-3A3B-4357-B9F1-37484C737777}" type="datetimeFigureOut">
               <a:rPr lang="en-US" smtClean="0"/>
-              <a:t>2/6/2020</a:t>
+              <a:t>2/7/20</a:t>
             </a:fld>
             <a:endParaRPr lang="en-US"/>
           </a:p>
@@ -3486,7 +3486,7 @@
           <a:p>
             <a:fld id="{A46595E3-DEFD-41F6-BCD5-B9A1CDF9240C}" type="datetimeFigureOut">
               <a:rPr lang="en-US" smtClean="0"/>
-              <a:t>2/6/2020</a:t>
+              <a:t>2/7/20</a:t>
             </a:fld>
             <a:endParaRPr lang="en-US"/>
           </a:p>
@@ -3684,7 +3684,7 @@
           <a:p>
             <a:fld id="{A46595E3-DEFD-41F6-BCD5-B9A1CDF9240C}" type="datetimeFigureOut">
               <a:rPr lang="en-US" smtClean="0"/>
-              <a:t>2/6/2020</a:t>
+              <a:t>2/7/20</a:t>
             </a:fld>
             <a:endParaRPr lang="en-US"/>
           </a:p>
@@ -3892,7 +3892,7 @@
           <a:p>
             <a:fld id="{A46595E3-DEFD-41F6-BCD5-B9A1CDF9240C}" type="datetimeFigureOut">
               <a:rPr lang="en-US" smtClean="0"/>
-              <a:t>2/6/2020</a:t>
+              <a:t>2/7/20</a:t>
             </a:fld>
             <a:endParaRPr lang="en-US"/>
           </a:p>
@@ -4149,7 +4149,7 @@
           <a:p>
             <a:fld id="{FA320BCE-3A3B-4357-B9F1-37484C737777}" type="datetimeFigureOut">
               <a:rPr lang="en-US" smtClean="0"/>
-              <a:t>2/6/2020</a:t>
+              <a:t>2/7/20</a:t>
             </a:fld>
             <a:endParaRPr lang="en-US"/>
           </a:p>
@@ -4434,7 +4434,7 @@
           <a:p>
             <a:fld id="{FA320BCE-3A3B-4357-B9F1-37484C737777}" type="datetimeFigureOut">
               <a:rPr lang="en-US" smtClean="0"/>
-              <a:t>2/6/2020</a:t>
+              <a:t>2/7/20</a:t>
             </a:fld>
             <a:endParaRPr lang="en-US"/>
           </a:p>
@@ -4853,7 +4853,7 @@
           <a:p>
             <a:fld id="{FA320BCE-3A3B-4357-B9F1-37484C737777}" type="datetimeFigureOut">
               <a:rPr lang="en-US" smtClean="0"/>
-              <a:t>2/6/2020</a:t>
+              <a:t>2/7/20</a:t>
             </a:fld>
             <a:endParaRPr lang="en-US"/>
           </a:p>
@@ -4970,7 +4970,7 @@
           <a:p>
             <a:fld id="{FA320BCE-3A3B-4357-B9F1-37484C737777}" type="datetimeFigureOut">
               <a:rPr lang="en-US" smtClean="0"/>
-              <a:t>2/6/2020</a:t>
+              <a:t>2/7/20</a:t>
             </a:fld>
             <a:endParaRPr lang="en-US"/>
           </a:p>
@@ -5065,7 +5065,7 @@
           <a:p>
             <a:fld id="{FA320BCE-3A3B-4357-B9F1-37484C737777}" type="datetimeFigureOut">
               <a:rPr lang="en-US" smtClean="0"/>
-              <a:t>2/6/2020</a:t>
+              <a:t>2/7/20</a:t>
             </a:fld>
             <a:endParaRPr lang="en-US"/>
           </a:p>
@@ -5340,7 +5340,7 @@
           <a:p>
             <a:fld id="{FA320BCE-3A3B-4357-B9F1-37484C737777}" type="datetimeFigureOut">
               <a:rPr lang="en-US" smtClean="0"/>
-              <a:t>2/6/2020</a:t>
+              <a:t>2/7/20</a:t>
             </a:fld>
             <a:endParaRPr lang="en-US"/>
           </a:p>
@@ -5592,7 +5592,7 @@
           <a:p>
             <a:fld id="{FA320BCE-3A3B-4357-B9F1-37484C737777}" type="datetimeFigureOut">
               <a:rPr lang="en-US" smtClean="0"/>
-              <a:t>2/6/2020</a:t>
+              <a:t>2/7/20</a:t>
             </a:fld>
             <a:endParaRPr lang="en-US"/>
           </a:p>
@@ -5803,7 +5803,7 @@
           <a:p>
             <a:fld id="{FA320BCE-3A3B-4357-B9F1-37484C737777}" type="datetimeFigureOut">
               <a:rPr lang="en-US" smtClean="0"/>
-              <a:t>2/6/2020</a:t>
+              <a:t>2/7/20</a:t>
             </a:fld>
             <a:endParaRPr lang="en-US"/>
           </a:p>
@@ -6329,7 +6329,7 @@
           <a:p>
             <a:fld id="{A46595E3-DEFD-41F6-BCD5-B9A1CDF9240C}" type="datetimeFigureOut">
               <a:rPr lang="en-US" smtClean="0"/>
-              <a:t>2/6/2020</a:t>
+              <a:t>2/7/20</a:t>
             </a:fld>
             <a:endParaRPr lang="en-US"/>
           </a:p>
@@ -7401,8 +7401,8 @@
         </p:nvCxnSpPr>
         <p:spPr>
           <a:xfrm flipH="1" flipV="1">
-            <a:off x="3317872" y="3420917"/>
-            <a:ext cx="796929" cy="7883"/>
+            <a:off x="3317873" y="3409309"/>
+            <a:ext cx="796930" cy="19492"/>
           </a:xfrm>
           <a:prstGeom prst="straightConnector1">
             <a:avLst/>
@@ -7660,8 +7660,8 @@
         </p:nvSpPr>
         <p:spPr>
           <a:xfrm>
-            <a:off x="7257455" y="5924602"/>
-            <a:ext cx="629246" cy="210010"/>
+            <a:off x="7257454" y="5853769"/>
+            <a:ext cx="743545" cy="280843"/>
           </a:xfrm>
           <a:prstGeom prst="ellipse">
             <a:avLst/>
@@ -7986,8 +7986,8 @@
         </p:nvSpPr>
         <p:spPr>
           <a:xfrm>
-            <a:off x="1371601" y="3171625"/>
-            <a:ext cx="1946272" cy="498585"/>
+            <a:off x="1371601" y="3148407"/>
+            <a:ext cx="1946272" cy="521803"/>
           </a:xfrm>
           <a:prstGeom prst="rect">
             <a:avLst/>
